--- a/raw/20180330/Paper Reading.pptx
+++ b/raw/20180330/Paper Reading.pptx
@@ -11,11 +11,12 @@
     <p:sldId id="260" r:id="rId5"/>
     <p:sldId id="259" r:id="rId6"/>
     <p:sldId id="261" r:id="rId7"/>
-    <p:sldId id="263" r:id="rId8"/>
-    <p:sldId id="269" r:id="rId9"/>
-    <p:sldId id="270" r:id="rId10"/>
-    <p:sldId id="271" r:id="rId11"/>
-    <p:sldId id="272" r:id="rId12"/>
+    <p:sldId id="273" r:id="rId8"/>
+    <p:sldId id="263" r:id="rId9"/>
+    <p:sldId id="269" r:id="rId10"/>
+    <p:sldId id="270" r:id="rId11"/>
+    <p:sldId id="271" r:id="rId12"/>
+    <p:sldId id="272" r:id="rId13"/>
   </p:sldIdLst>
   <p:sldSz cx="12192000" cy="6858000"/>
   <p:notesSz cx="6858000" cy="9144000"/>
@@ -114,6 +115,11 @@
       </a:defRPr>
     </a:lvl9pPr>
   </p:defaultTextStyle>
+  <p:extLst>
+    <p:ext uri="{EFAFB233-063F-42B5-8137-9DF3F51BA10A}">
+      <p15:sldGuideLst xmlns:p15="http://schemas.microsoft.com/office/powerpoint/2012/main"/>
+    </p:ext>
+  </p:extLst>
 </p:presentation>
 </file>
 
@@ -5592,7 +5598,7 @@
           <a:p>
             <a:fld id="{F08ED948-5F57-49C6-9CC9-9FEA89C9F53F}" type="datetimeFigureOut">
               <a:rPr lang="zh-CN" altLang="en-US" smtClean="0"/>
-              <a:t>2018/3/28</a:t>
+              <a:t>2018/3/29</a:t>
             </a:fld>
             <a:endParaRPr lang="zh-CN" altLang="en-US"/>
           </a:p>
@@ -5795,7 +5801,7 @@
           <a:p>
             <a:fld id="{F08ED948-5F57-49C6-9CC9-9FEA89C9F53F}" type="datetimeFigureOut">
               <a:rPr lang="zh-CN" altLang="en-US" smtClean="0"/>
-              <a:t>2018/3/28</a:t>
+              <a:t>2018/3/29</a:t>
             </a:fld>
             <a:endParaRPr lang="zh-CN" altLang="en-US"/>
           </a:p>
@@ -11390,7 +11396,7 @@
                 <a:tabLst/>
                 <a:defRPr/>
               </a:pPr>
-              <a:t>3/28/2018</a:t>
+              <a:t>3/29/2018</a:t>
             </a:fld>
             <a:endParaRPr kumimoji="0" lang="en-US" altLang="zh-CN" sz="1000" b="0" i="0" u="none" strike="noStrike" kern="1200" cap="none" spc="0" normalizeH="0" baseline="0" noProof="0">
               <a:ln>
@@ -11902,7 +11908,7 @@
                 <a:tabLst/>
                 <a:defRPr/>
               </a:pPr>
-              <a:t>3/28/2018</a:t>
+              <a:t>3/29/2018</a:t>
             </a:fld>
             <a:endParaRPr kumimoji="0" lang="en-US" altLang="zh-CN" sz="1000" b="0" i="0" u="none" strike="noStrike" kern="1200" cap="none" spc="0" normalizeH="0" baseline="0" noProof="0">
               <a:ln>
@@ -12273,7 +12279,7 @@
                 <a:tabLst/>
                 <a:defRPr/>
               </a:pPr>
-              <a:t>3/28/2018</a:t>
+              <a:t>3/29/2018</a:t>
             </a:fld>
             <a:endParaRPr kumimoji="0" lang="en-US" altLang="zh-CN" sz="1000" b="0" i="0" u="none" strike="noStrike" kern="1200" cap="none" spc="0" normalizeH="0" baseline="0" noProof="0">
               <a:ln>
@@ -12910,7 +12916,7 @@
                 <a:tabLst/>
                 <a:defRPr/>
               </a:pPr>
-              <a:t>3/28/2018</a:t>
+              <a:t>3/29/2018</a:t>
             </a:fld>
             <a:endParaRPr kumimoji="0" lang="en-US" altLang="zh-CN" sz="1000" b="0" i="0" u="none" strike="noStrike" kern="1200" cap="none" spc="0" normalizeH="0" baseline="0" noProof="0">
               <a:ln>
@@ -13518,7 +13524,7 @@
                 <a:tabLst/>
                 <a:defRPr/>
               </a:pPr>
-              <a:t>3/28/2018</a:t>
+              <a:t>3/29/2018</a:t>
             </a:fld>
             <a:endParaRPr kumimoji="0" lang="en-US" altLang="zh-CN" sz="1000" b="0" i="0" u="none" strike="noStrike" kern="1200" cap="none" spc="0" normalizeH="0" baseline="0" noProof="0">
               <a:ln>
@@ -13817,7 +13823,7 @@
                 <a:tabLst/>
                 <a:defRPr/>
               </a:pPr>
-              <a:t>3/28/2018</a:t>
+              <a:t>3/29/2018</a:t>
             </a:fld>
             <a:endParaRPr kumimoji="0" lang="en-US" altLang="zh-CN" sz="1000" b="0" i="0" u="none" strike="noStrike" kern="1200" cap="none" spc="0" normalizeH="0" baseline="0" noProof="0">
               <a:ln>
@@ -14359,7 +14365,7 @@
                 <a:tabLst/>
                 <a:defRPr/>
               </a:pPr>
-              <a:t>3/28/2018</a:t>
+              <a:t>3/29/2018</a:t>
             </a:fld>
             <a:endParaRPr kumimoji="0" lang="en-US" altLang="zh-CN" sz="1000" b="0" i="0" u="none" strike="noStrike" kern="1200" cap="none" spc="0" normalizeH="0" baseline="0" noProof="0">
               <a:ln>
@@ -14878,7 +14884,7 @@
                 <a:tabLst/>
                 <a:defRPr/>
               </a:pPr>
-              <a:t>3/28/2018</a:t>
+              <a:t>3/29/2018</a:t>
             </a:fld>
             <a:endParaRPr kumimoji="0" lang="en-US" altLang="zh-CN" sz="1000" b="0" i="0" u="none" strike="noStrike" kern="1200" cap="none" spc="0" normalizeH="0" baseline="0" noProof="0">
               <a:ln>
@@ -15229,7 +15235,7 @@
                 <a:tabLst/>
                 <a:defRPr/>
               </a:pPr>
-              <a:t>3/28/2018</a:t>
+              <a:t>3/29/2018</a:t>
             </a:fld>
             <a:endParaRPr kumimoji="0" lang="en-US" altLang="zh-CN" sz="1000" b="0" i="0" u="none" strike="noStrike" kern="1200" cap="none" spc="0" normalizeH="0" baseline="0" noProof="0">
               <a:ln>
@@ -15691,7 +15697,7 @@
           <a:p>
             <a:fld id="{F08ED948-5F57-49C6-9CC9-9FEA89C9F53F}" type="datetimeFigureOut">
               <a:rPr lang="zh-CN" altLang="en-US" smtClean="0"/>
-              <a:t>2018/3/28</a:t>
+              <a:t>2018/3/29</a:t>
             </a:fld>
             <a:endParaRPr lang="zh-CN" altLang="en-US"/>
           </a:p>
@@ -15932,7 +15938,7 @@
                 <a:tabLst/>
                 <a:defRPr/>
               </a:pPr>
-              <a:t>3/28/2018</a:t>
+              <a:t>3/29/2018</a:t>
             </a:fld>
             <a:endParaRPr kumimoji="0" lang="en-US" altLang="zh-CN" sz="1000" b="0" i="0" u="none" strike="noStrike" kern="1200" cap="none" spc="0" normalizeH="0" baseline="0" noProof="0">
               <a:ln>
@@ -16260,7 +16266,7 @@
           <a:p>
             <a:fld id="{F08ED948-5F57-49C6-9CC9-9FEA89C9F53F}" type="datetimeFigureOut">
               <a:rPr lang="zh-CN" altLang="en-US" smtClean="0"/>
-              <a:t>2018/3/28</a:t>
+              <a:t>2018/3/29</a:t>
             </a:fld>
             <a:endParaRPr lang="zh-CN" altLang="en-US"/>
           </a:p>
@@ -16697,7 +16703,7 @@
           <a:p>
             <a:fld id="{F08ED948-5F57-49C6-9CC9-9FEA89C9F53F}" type="datetimeFigureOut">
               <a:rPr lang="zh-CN" altLang="en-US" smtClean="0"/>
-              <a:t>2018/3/28</a:t>
+              <a:t>2018/3/29</a:t>
             </a:fld>
             <a:endParaRPr lang="zh-CN" altLang="en-US"/>
           </a:p>
@@ -17138,7 +17144,7 @@
           <a:p>
             <a:fld id="{F08ED948-5F57-49C6-9CC9-9FEA89C9F53F}" type="datetimeFigureOut">
               <a:rPr lang="zh-CN" altLang="en-US" smtClean="0"/>
-              <a:t>2018/3/28</a:t>
+              <a:t>2018/3/29</a:t>
             </a:fld>
             <a:endParaRPr lang="zh-CN" altLang="en-US"/>
           </a:p>
@@ -17270,7 +17276,7 @@
           <a:p>
             <a:fld id="{F08ED948-5F57-49C6-9CC9-9FEA89C9F53F}" type="datetimeFigureOut">
               <a:rPr lang="zh-CN" altLang="en-US" smtClean="0"/>
-              <a:t>2018/3/28</a:t>
+              <a:t>2018/3/29</a:t>
             </a:fld>
             <a:endParaRPr lang="zh-CN" altLang="en-US"/>
           </a:p>
@@ -17645,7 +17651,7 @@
           <a:p>
             <a:fld id="{F08ED948-5F57-49C6-9CC9-9FEA89C9F53F}" type="datetimeFigureOut">
               <a:rPr lang="zh-CN" altLang="en-US" smtClean="0"/>
-              <a:t>2018/3/28</a:t>
+              <a:t>2018/3/29</a:t>
             </a:fld>
             <a:endParaRPr lang="zh-CN" altLang="en-US"/>
           </a:p>
@@ -17997,7 +18003,7 @@
           <a:p>
             <a:fld id="{F08ED948-5F57-49C6-9CC9-9FEA89C9F53F}" type="datetimeFigureOut">
               <a:rPr lang="zh-CN" altLang="en-US" smtClean="0"/>
-              <a:t>2018/3/28</a:t>
+              <a:t>2018/3/29</a:t>
             </a:fld>
             <a:endParaRPr lang="zh-CN" altLang="en-US"/>
           </a:p>
@@ -18181,7 +18187,7 @@
           <a:p>
             <a:fld id="{F08ED948-5F57-49C6-9CC9-9FEA89C9F53F}" type="datetimeFigureOut">
               <a:rPr lang="zh-CN" altLang="en-US" smtClean="0"/>
-              <a:t>2018/3/28</a:t>
+              <a:t>2018/3/29</a:t>
             </a:fld>
             <a:endParaRPr lang="zh-CN" altLang="en-US"/>
           </a:p>
@@ -18538,7 +18544,7 @@
           <a:p>
             <a:fld id="{F08ED948-5F57-49C6-9CC9-9FEA89C9F53F}" type="datetimeFigureOut">
               <a:rPr lang="zh-CN" altLang="en-US" smtClean="0"/>
-              <a:t>2018/3/28</a:t>
+              <a:t>2018/3/29</a:t>
             </a:fld>
             <a:endParaRPr lang="zh-CN" altLang="en-US"/>
           </a:p>
@@ -24648,7 +24654,7 @@
                 <a:tabLst/>
                 <a:defRPr/>
               </a:pPr>
-              <a:t>3/28/2018</a:t>
+              <a:t>3/29/2018</a:t>
             </a:fld>
             <a:endParaRPr kumimoji="0" lang="en-US" altLang="zh-CN" sz="1000" b="0" i="0" u="none" strike="noStrike" kern="1200" cap="none" spc="0" normalizeH="0" baseline="0" noProof="0">
               <a:ln>
@@ -30681,11 +30687,416 @@
           <a:p>
             <a:r>
               <a:rPr lang="en-US" altLang="zh-CN" sz="4000" dirty="0" smtClean="0"/>
-              <a:t>MCN</a:t>
+              <a:t>MCNMF</a:t>
+            </a:r>
+            <a:endParaRPr lang="zh-CN" altLang="en-US" dirty="0"/>
+          </a:p>
+        </p:txBody>
+      </p:sp>
+      <p:sp>
+        <p:nvSpPr>
+          <p:cNvPr id="3" name="内容占位符 2"/>
+          <p:cNvSpPr>
+            <a:spLocks noGrp="1"/>
+          </p:cNvSpPr>
+          <p:nvPr>
+            <p:ph idx="1"/>
+          </p:nvPr>
+        </p:nvSpPr>
+        <p:spPr/>
+        <p:txBody>
+          <a:bodyPr/>
+          <a:lstStyle/>
+          <a:p>
+            <a:pPr lvl="1"/>
+            <a:r>
+              <a:rPr lang="en-US" altLang="zh-CN" sz="2400" b="1" dirty="0" smtClean="0">
+                <a:solidFill>
+                  <a:srgbClr val="0000FF"/>
+                </a:solidFill>
+              </a:rPr>
+              <a:t>Advantages</a:t>
+            </a:r>
+            <a:endParaRPr lang="en-US" altLang="zh-CN" sz="2400" b="1" dirty="0">
+              <a:solidFill>
+                <a:srgbClr val="0000FF"/>
+              </a:solidFill>
+            </a:endParaRPr>
+          </a:p>
+          <a:p>
+            <a:pPr lvl="1">
+              <a:buFont typeface="Wingdings" panose="05000000000000000000" pitchFamily="2" charset="2"/>
+              <a:buChar char="p"/>
+            </a:pPr>
+            <a:r>
+              <a:rPr lang="en-US" altLang="zh-CN" sz="1800" b="1" dirty="0">
+                <a:solidFill>
+                  <a:srgbClr val="0000FF"/>
+                </a:solidFill>
+              </a:rPr>
+              <a:t>It captures </a:t>
             </a:r>
             <a:r>
+              <a:rPr lang="en-US" altLang="zh-CN" sz="1800" b="1" dirty="0" smtClean="0">
+                <a:solidFill>
+                  <a:srgbClr val="0000FF"/>
+                </a:solidFill>
+              </a:rPr>
+              <a:t>more comprehensive </a:t>
+            </a:r>
+            <a:r>
+              <a:rPr lang="en-US" altLang="zh-CN" sz="1800" b="1" dirty="0">
+                <a:solidFill>
+                  <a:srgbClr val="0000FF"/>
+                </a:solidFill>
+              </a:rPr>
+              <a:t>information and interprets data from different perspectives, by leveraging the multiple components. </a:t>
+            </a:r>
+            <a:r>
+              <a:rPr lang="en-US" altLang="zh-CN" sz="1800" b="1" dirty="0">
+                <a:solidFill>
+                  <a:srgbClr val="FF0000"/>
+                </a:solidFill>
+              </a:rPr>
+              <a:t>Instead of factorizing the data matrix into a single basis and representation matrix, MCNMF learns multiple </a:t>
+            </a:r>
+            <a:r>
+              <a:rPr lang="en-US" altLang="zh-CN" sz="1800" b="1" dirty="0" smtClean="0">
+                <a:solidFill>
+                  <a:srgbClr val="FF0000"/>
+                </a:solidFill>
+              </a:rPr>
+              <a:t>representations based </a:t>
+            </a:r>
+            <a:r>
+              <a:rPr lang="en-US" altLang="zh-CN" sz="1800" b="1" dirty="0">
+                <a:solidFill>
+                  <a:srgbClr val="FF0000"/>
+                </a:solidFill>
+              </a:rPr>
+              <a:t>on different basis matrices. </a:t>
+            </a:r>
+            <a:endParaRPr lang="en-US" altLang="zh-CN" sz="1800" b="1" dirty="0" smtClean="0">
+              <a:solidFill>
+                <a:srgbClr val="FF0000"/>
+              </a:solidFill>
+            </a:endParaRPr>
+          </a:p>
+          <a:p>
+            <a:pPr lvl="1">
+              <a:buFont typeface="Wingdings" panose="05000000000000000000" pitchFamily="2" charset="2"/>
+              <a:buChar char="p"/>
+            </a:pPr>
+            <a:r>
+              <a:rPr lang="en-US" altLang="zh-CN" sz="1800" b="1" dirty="0" smtClean="0">
+                <a:solidFill>
+                  <a:srgbClr val="0000FF"/>
+                </a:solidFill>
+              </a:rPr>
+              <a:t>HSIC </a:t>
+            </a:r>
+            <a:r>
+              <a:rPr lang="en-US" altLang="zh-CN" sz="1800" b="1" dirty="0">
+                <a:solidFill>
+                  <a:srgbClr val="0000FF"/>
+                </a:solidFill>
+              </a:rPr>
+              <a:t>explores the diverse information among the representations, where </a:t>
+            </a:r>
+            <a:r>
+              <a:rPr lang="en-US" altLang="zh-CN" sz="1800" b="1" dirty="0" smtClean="0">
+                <a:solidFill>
+                  <a:srgbClr val="0000FF"/>
+                </a:solidFill>
+              </a:rPr>
+              <a:t>each representation </a:t>
+            </a:r>
+            <a:r>
+              <a:rPr lang="en-US" altLang="zh-CN" sz="1800" b="1" dirty="0">
+                <a:solidFill>
+                  <a:srgbClr val="0000FF"/>
+                </a:solidFill>
+              </a:rPr>
+              <a:t>corresponds to a component. </a:t>
+            </a:r>
+            <a:br>
+              <a:rPr lang="en-US" altLang="zh-CN" sz="1800" b="1" dirty="0">
+                <a:solidFill>
+                  <a:srgbClr val="0000FF"/>
+                </a:solidFill>
+              </a:rPr>
+            </a:br>
+            <a:endParaRPr lang="en-US" altLang="zh-CN" sz="1800" b="1" dirty="0">
+              <a:solidFill>
+                <a:srgbClr val="0000FF"/>
+              </a:solidFill>
+            </a:endParaRPr>
+          </a:p>
+          <a:p>
+            <a:pPr marL="344487" lvl="1" indent="0">
+              <a:buNone/>
+            </a:pPr>
+            <a:r>
+              <a:rPr lang="en-US" altLang="zh-CN" sz="2400" b="1" dirty="0">
+                <a:solidFill>
+                  <a:srgbClr val="0000FF"/>
+                </a:solidFill>
+              </a:rPr>
+              <a:t/>
+            </a:r>
+            <a:br>
+              <a:rPr lang="en-US" altLang="zh-CN" sz="2400" b="1" dirty="0">
+                <a:solidFill>
+                  <a:srgbClr val="0000FF"/>
+                </a:solidFill>
+              </a:rPr>
+            </a:br>
+            <a:r>
+              <a:rPr lang="en-US" altLang="zh-CN" sz="1800" dirty="0"/>
+              <a:t/>
+            </a:r>
+            <a:br>
+              <a:rPr lang="en-US" altLang="zh-CN" sz="1800" dirty="0"/>
+            </a:br>
+            <a:r>
+              <a:rPr lang="en-US" altLang="zh-CN" sz="1800" dirty="0" smtClean="0">
+                <a:solidFill>
+                  <a:schemeClr val="tx1"/>
+                </a:solidFill>
+              </a:rPr>
+              <a:t/>
+            </a:r>
+            <a:br>
+              <a:rPr lang="en-US" altLang="zh-CN" sz="1800" dirty="0" smtClean="0">
+                <a:solidFill>
+                  <a:schemeClr val="tx1"/>
+                </a:solidFill>
+              </a:rPr>
+            </a:br>
+            <a:endParaRPr lang="en-US" altLang="zh-CN" sz="1800" dirty="0" smtClean="0">
+              <a:solidFill>
+                <a:schemeClr val="tx1"/>
+              </a:solidFill>
+            </a:endParaRPr>
+          </a:p>
+          <a:p>
+            <a:pPr marL="0" indent="0">
+              <a:buNone/>
+            </a:pPr>
+            <a:endParaRPr lang="en-US" altLang="zh-CN" sz="2400" dirty="0" smtClean="0"/>
+          </a:p>
+          <a:p>
+            <a:endParaRPr lang="en-US" altLang="zh-CN" sz="2400" dirty="0"/>
+          </a:p>
+          <a:p>
+            <a:endParaRPr lang="zh-CN" altLang="en-US" dirty="0"/>
+          </a:p>
+        </p:txBody>
+      </p:sp>
+      <p:sp>
+        <p:nvSpPr>
+          <p:cNvPr id="4" name="页脚占位符 3"/>
+          <p:cNvSpPr>
+            <a:spLocks noGrp="1"/>
+          </p:cNvSpPr>
+          <p:nvPr>
+            <p:ph type="ftr" sz="quarter" idx="11"/>
+          </p:nvPr>
+        </p:nvSpPr>
+        <p:spPr/>
+        <p:txBody>
+          <a:bodyPr/>
+          <a:lstStyle/>
+          <a:p>
+            <a:pPr marL="0" marR="0" lvl="0" indent="0" algn="ctr" defTabSz="914400" rtl="0" eaLnBrk="1" fontAlgn="auto" latinLnBrk="0" hangingPunct="1">
+              <a:lnSpc>
+                <a:spcPct val="100000"/>
+              </a:lnSpc>
+              <a:spcBef>
+                <a:spcPts val="0"/>
+              </a:spcBef>
+              <a:spcAft>
+                <a:spcPts val="0"/>
+              </a:spcAft>
+              <a:buClrTx/>
+              <a:buSzTx/>
+              <a:buFontTx/>
+              <a:buNone/>
+              <a:tabLst/>
+              <a:defRPr/>
+            </a:pPr>
+            <a:r>
+              <a:rPr kumimoji="0" lang="zh-CN" altLang="en-US" sz="1200" b="0" i="0" u="none" strike="noStrike" kern="1200" cap="none" spc="0" normalizeH="0" baseline="0" noProof="0" dirty="0" smtClean="0">
+                <a:ln>
+                  <a:noFill/>
+                </a:ln>
+                <a:solidFill>
+                  <a:srgbClr val="000000"/>
+                </a:solidFill>
+                <a:effectLst/>
+                <a:uLnTx/>
+                <a:uFillTx/>
+                <a:latin typeface="Arial" panose="020B0604020202020204" pitchFamily="34" charset="0"/>
+                <a:ea typeface="黑体" panose="02010609060101010101" pitchFamily="49" charset="-122"/>
+                <a:cs typeface="+mn-cs"/>
+              </a:rPr>
+              <a:t>南开大学智能信息处理实验室</a:t>
+            </a:r>
+            <a:endParaRPr kumimoji="0" lang="en-US" altLang="zh-CN" sz="1200" b="0" i="0" u="none" strike="noStrike" kern="1200" cap="none" spc="0" normalizeH="0" baseline="0" noProof="0" dirty="0">
+              <a:ln>
+                <a:noFill/>
+              </a:ln>
+              <a:solidFill>
+                <a:srgbClr val="000000"/>
+              </a:solidFill>
+              <a:effectLst/>
+              <a:uLnTx/>
+              <a:uFillTx/>
+              <a:latin typeface="Arial" panose="020B0604020202020204" pitchFamily="34" charset="0"/>
+              <a:ea typeface="黑体" panose="02010609060101010101" pitchFamily="49" charset="-122"/>
+              <a:cs typeface="+mn-cs"/>
+            </a:endParaRPr>
+          </a:p>
+        </p:txBody>
+      </p:sp>
+      <p:sp>
+        <p:nvSpPr>
+          <p:cNvPr id="5" name="灯片编号占位符 4"/>
+          <p:cNvSpPr>
+            <a:spLocks noGrp="1"/>
+          </p:cNvSpPr>
+          <p:nvPr>
+            <p:ph type="sldNum" sz="quarter" idx="12"/>
+          </p:nvPr>
+        </p:nvSpPr>
+        <p:spPr/>
+        <p:txBody>
+          <a:bodyPr/>
+          <a:lstStyle/>
+          <a:p>
+            <a:pPr marL="0" marR="0" lvl="0" indent="0" algn="r" defTabSz="914400" rtl="0" eaLnBrk="1" fontAlgn="auto" latinLnBrk="0" hangingPunct="1">
+              <a:lnSpc>
+                <a:spcPct val="100000"/>
+              </a:lnSpc>
+              <a:spcBef>
+                <a:spcPts val="0"/>
+              </a:spcBef>
+              <a:spcAft>
+                <a:spcPts val="0"/>
+              </a:spcAft>
+              <a:buClrTx/>
+              <a:buSzTx/>
+              <a:buFontTx/>
+              <a:buNone/>
+              <a:tabLst/>
+              <a:defRPr/>
+            </a:pPr>
+            <a:fld id="{D94E2663-7418-4A99-B68B-E22BFFE23E97}" type="slidenum">
+              <a:rPr kumimoji="0" lang="en-US" altLang="zh-CN" sz="1000" b="0" i="0" u="none" strike="noStrike" kern="1200" cap="none" spc="0" normalizeH="0" baseline="0" noProof="0" smtClean="0">
+                <a:ln>
+                  <a:noFill/>
+                </a:ln>
+                <a:solidFill>
+                  <a:srgbClr val="000000"/>
+                </a:solidFill>
+                <a:effectLst/>
+                <a:uLnTx/>
+                <a:uFillTx/>
+                <a:latin typeface="Arial" panose="020B0604020202020204" pitchFamily="34" charset="0"/>
+                <a:ea typeface="黑体" panose="02010609060101010101" pitchFamily="49" charset="-122"/>
+                <a:cs typeface="+mn-cs"/>
+              </a:rPr>
+              <a:pPr marL="0" marR="0" lvl="0" indent="0" algn="r" defTabSz="914400" rtl="0" eaLnBrk="1" fontAlgn="auto" latinLnBrk="0" hangingPunct="1">
+                <a:lnSpc>
+                  <a:spcPct val="100000"/>
+                </a:lnSpc>
+                <a:spcBef>
+                  <a:spcPts val="0"/>
+                </a:spcBef>
+                <a:spcAft>
+                  <a:spcPts val="0"/>
+                </a:spcAft>
+                <a:buClrTx/>
+                <a:buSzTx/>
+                <a:buFontTx/>
+                <a:buNone/>
+                <a:tabLst/>
+                <a:defRPr/>
+              </a:pPr>
+              <a:t>10</a:t>
+            </a:fld>
+            <a:endParaRPr kumimoji="0" lang="en-US" altLang="zh-CN" sz="1000" b="0" i="0" u="none" strike="noStrike" kern="1200" cap="none" spc="0" normalizeH="0" baseline="0" noProof="0">
+              <a:ln>
+                <a:noFill/>
+              </a:ln>
+              <a:solidFill>
+                <a:srgbClr val="000000"/>
+              </a:solidFill>
+              <a:effectLst/>
+              <a:uLnTx/>
+              <a:uFillTx/>
+              <a:latin typeface="Arial" panose="020B0604020202020204" pitchFamily="34" charset="0"/>
+              <a:ea typeface="黑体" panose="02010609060101010101" pitchFamily="49" charset="-122"/>
+              <a:cs typeface="+mn-cs"/>
+            </a:endParaRPr>
+          </a:p>
+        </p:txBody>
+      </p:sp>
+    </p:spTree>
+    <p:extLst>
+      <p:ext uri="{BB962C8B-B14F-4D97-AF65-F5344CB8AC3E}">
+        <p14:creationId xmlns:p14="http://schemas.microsoft.com/office/powerpoint/2010/main" val="1608293383"/>
+      </p:ext>
+    </p:extLst>
+  </p:cSld>
+  <p:clrMapOvr>
+    <a:masterClrMapping/>
+  </p:clrMapOvr>
+  <p:timing>
+    <p:tnLst>
+      <p:par>
+        <p:cTn id="1" dur="indefinite" restart="never" nodeType="tmRoot"/>
+      </p:par>
+    </p:tnLst>
+  </p:timing>
+</p:sld>
+</file>
+
+<file path=ppt/slides/slide11.xml><?xml version="1.0" encoding="utf-8"?>
+<p:sld xmlns:a="http://schemas.openxmlformats.org/drawingml/2006/main" xmlns:r="http://schemas.openxmlformats.org/officeDocument/2006/relationships" xmlns:p="http://schemas.openxmlformats.org/presentationml/2006/main">
+  <p:cSld>
+    <p:spTree>
+      <p:nvGrpSpPr>
+        <p:cNvPr id="1" name=""/>
+        <p:cNvGrpSpPr/>
+        <p:nvPr/>
+      </p:nvGrpSpPr>
+      <p:grpSpPr>
+        <a:xfrm>
+          <a:off x="0" y="0"/>
+          <a:ext cx="0" cy="0"/>
+          <a:chOff x="0" y="0"/>
+          <a:chExt cx="0" cy="0"/>
+        </a:xfrm>
+      </p:grpSpPr>
+      <p:sp>
+        <p:nvSpPr>
+          <p:cNvPr id="2" name="标题 1"/>
+          <p:cNvSpPr>
+            <a:spLocks noGrp="1"/>
+          </p:cNvSpPr>
+          <p:nvPr>
+            <p:ph type="title"/>
+          </p:nvPr>
+        </p:nvSpPr>
+        <p:spPr/>
+        <p:txBody>
+          <a:bodyPr/>
+          <a:lstStyle/>
+          <a:p>
+            <a:r>
               <a:rPr lang="en-US" altLang="zh-CN" sz="4000" dirty="0" smtClean="0"/>
-              <a:t>MF</a:t>
+              <a:t>MCNMF</a:t>
             </a:r>
             <a:endParaRPr lang="zh-CN" altLang="en-US" dirty="0"/>
           </a:p>
@@ -30731,23 +31142,7 @@
                   <a:schemeClr val="tx1"/>
                 </a:solidFill>
               </a:rPr>
-              <a:t>Measurements :  </a:t>
-            </a:r>
-            <a:r>
-              <a:rPr lang="en-US" altLang="zh-CN" sz="1800" dirty="0">
-                <a:solidFill>
-                  <a:schemeClr val="tx1"/>
-                </a:solidFill>
-              </a:rPr>
-              <a:t>Accuracy </a:t>
-            </a:r>
-            <a:r>
-              <a:rPr lang="en-US" altLang="zh-CN" sz="1800" dirty="0">
-                <a:solidFill>
-                  <a:schemeClr val="tx1"/>
-                </a:solidFill>
-              </a:rPr>
-              <a:t>(</a:t>
+              <a:t>Measurements :  Accuracy (</a:t>
             </a:r>
             <a:r>
               <a:rPr lang="en-US" altLang="zh-CN" sz="1800" dirty="0" smtClean="0">
@@ -30921,7 +31316,7 @@
                 <a:tabLst/>
                 <a:defRPr/>
               </a:pPr>
-              <a:t>10</a:t>
+              <a:t>11</a:t>
             </a:fld>
             <a:endParaRPr kumimoji="0" lang="en-US" altLang="zh-CN" sz="1000" b="0" i="0" u="none" strike="noStrike" kern="1200" cap="none" spc="0" normalizeH="0" baseline="0" noProof="0">
               <a:ln>
@@ -31508,15 +31903,7 @@
                   <a:schemeClr val="tx1"/>
                 </a:solidFill>
               </a:rPr>
-              <a:t>Use L2</a:t>
-            </a:r>
-            <a:r>
-              <a:rPr lang="en-US" altLang="zh-CN" sz="1800" dirty="0" smtClean="0">
-                <a:solidFill>
-                  <a:schemeClr val="tx1"/>
-                </a:solidFill>
-              </a:rPr>
-              <a:t>,1 norm</a:t>
+              <a:t>Use L2,1 norm</a:t>
             </a:r>
             <a:r>
               <a:rPr lang="zh-CN" altLang="en-US" sz="1800" dirty="0" smtClean="0">
@@ -31555,16 +31942,15 @@
               </a:rPr>
               <a:t>Add similarity constraint:</a:t>
             </a:r>
-            <a:endParaRPr lang="en-US" altLang="zh-CN" sz="1800" dirty="0" smtClean="0">
-              <a:solidFill>
-                <a:schemeClr val="tx1"/>
-              </a:solidFill>
-            </a:endParaRPr>
           </a:p>
           <a:p>
             <a:pPr marL="0" indent="0">
               <a:buNone/>
             </a:pPr>
+            <a:r>
+              <a:rPr lang="en-US" altLang="zh-CN" sz="2400" dirty="0" smtClean="0"/>
+              <a:t>V</a:t>
+            </a:r>
             <a:endParaRPr lang="en-US" altLang="zh-CN" sz="2400" dirty="0" smtClean="0"/>
           </a:p>
           <a:p>
@@ -31788,7 +32174,7 @@
         </p:blipFill>
         <p:spPr>
           <a:xfrm>
-            <a:off x="6042247" y="2324355"/>
+            <a:off x="5991225" y="3120292"/>
             <a:ext cx="5591175" cy="1952625"/>
           </a:xfrm>
           <a:prstGeom prst="rect">
@@ -31828,7 +32214,7 @@
         </p:nvSpPr>
         <p:spPr>
           <a:xfrm>
-            <a:off x="6262172" y="1741549"/>
+            <a:off x="6239946" y="2399057"/>
             <a:ext cx="5929828" cy="369332"/>
           </a:xfrm>
           <a:prstGeom prst="rect">
@@ -31883,6 +32269,78 @@
           </a:p>
         </p:txBody>
       </p:sp>
+      <p:pic>
+        <p:nvPicPr>
+          <p:cNvPr id="6" name="图片 5"/>
+          <p:cNvPicPr>
+            <a:picLocks noChangeAspect="1"/>
+          </p:cNvPicPr>
+          <p:nvPr/>
+        </p:nvPicPr>
+        <p:blipFill>
+          <a:blip r:embed="rId6"/>
+          <a:stretch>
+            <a:fillRect/>
+          </a:stretch>
+        </p:blipFill>
+        <p:spPr>
+          <a:xfrm>
+            <a:off x="6340513" y="1545418"/>
+            <a:ext cx="1466667" cy="361905"/>
+          </a:xfrm>
+          <a:prstGeom prst="rect">
+            <a:avLst/>
+          </a:prstGeom>
+        </p:spPr>
+      </p:pic>
+      <p:pic>
+        <p:nvPicPr>
+          <p:cNvPr id="8" name="图片 7"/>
+          <p:cNvPicPr>
+            <a:picLocks noChangeAspect="1"/>
+          </p:cNvPicPr>
+          <p:nvPr/>
+        </p:nvPicPr>
+        <p:blipFill>
+          <a:blip r:embed="rId7"/>
+          <a:stretch>
+            <a:fillRect/>
+          </a:stretch>
+        </p:blipFill>
+        <p:spPr>
+          <a:xfrm>
+            <a:off x="6340513" y="2118344"/>
+            <a:ext cx="2780952" cy="209524"/>
+          </a:xfrm>
+          <a:prstGeom prst="rect">
+            <a:avLst/>
+          </a:prstGeom>
+        </p:spPr>
+      </p:pic>
+      <p:pic>
+        <p:nvPicPr>
+          <p:cNvPr id="9" name="图片 8"/>
+          <p:cNvPicPr>
+            <a:picLocks noChangeAspect="1"/>
+          </p:cNvPicPr>
+          <p:nvPr/>
+        </p:nvPicPr>
+        <p:blipFill>
+          <a:blip r:embed="rId8"/>
+          <a:stretch>
+            <a:fillRect/>
+          </a:stretch>
+        </p:blipFill>
+        <p:spPr>
+          <a:xfrm>
+            <a:off x="9121465" y="2050993"/>
+            <a:ext cx="2742857" cy="314286"/>
+          </a:xfrm>
+          <a:prstGeom prst="rect">
+            <a:avLst/>
+          </a:prstGeom>
+        </p:spPr>
+      </p:pic>
     </p:spTree>
     <p:extLst>
       <p:ext uri="{BB962C8B-B14F-4D97-AF65-F5344CB8AC3E}">
@@ -32084,15 +32542,7 @@
                   <a:schemeClr val="tx1"/>
                 </a:solidFill>
               </a:rPr>
-              <a:t>In a matrix factorization point of view  -&gt; scalable and </a:t>
-            </a:r>
-            <a:r>
-              <a:rPr lang="en-US" altLang="zh-CN" sz="1800" dirty="0" err="1" smtClean="0">
-                <a:solidFill>
-                  <a:schemeClr val="tx1"/>
-                </a:solidFill>
-              </a:rPr>
-              <a:t>reproduceable</a:t>
+              <a:t>scalable</a:t>
             </a:r>
             <a:endParaRPr lang="en-US" altLang="zh-CN" sz="1800" dirty="0">
               <a:solidFill>
@@ -32125,7 +32575,23 @@
                   <a:schemeClr val="tx1"/>
                 </a:solidFill>
               </a:rPr>
-              <a:t>Employs the L2,1-norm to measure the loss of matrix factorization.</a:t>
+              <a:t>Employs the </a:t>
+            </a:r>
+            <a:r>
+              <a:rPr lang="en-US" altLang="zh-CN" sz="1800" dirty="0" smtClean="0">
+                <a:solidFill>
+                  <a:schemeClr val="tx1"/>
+                </a:solidFill>
+              </a:rPr>
+              <a:t>L2,1-norm</a:t>
+            </a:r>
+            <a:r>
+              <a:rPr lang="en-US" altLang="zh-CN" sz="1800" dirty="0" smtClean="0">
+                <a:solidFill>
+                  <a:schemeClr val="tx1"/>
+                </a:solidFill>
+              </a:rPr>
+              <a:t/>
             </a:r>
             <a:br>
               <a:rPr lang="en-US" altLang="zh-CN" sz="1800" dirty="0" smtClean="0">
@@ -32610,7 +33076,7 @@
       </p:sp>
       <p:pic>
         <p:nvPicPr>
-          <p:cNvPr id="6" name="图片 5"/>
+          <p:cNvPr id="8" name="图片 7"/>
           <p:cNvPicPr>
             <a:picLocks noChangeAspect="1"/>
           </p:cNvPicPr>
@@ -32624,8 +33090,8 @@
         </p:blipFill>
         <p:spPr>
           <a:xfrm>
-            <a:off x="609600" y="2904196"/>
-            <a:ext cx="5343525" cy="3228975"/>
+            <a:off x="1332467" y="3226520"/>
+            <a:ext cx="2523809" cy="533333"/>
           </a:xfrm>
           <a:prstGeom prst="rect">
             <a:avLst/>
@@ -32634,7 +33100,7 @@
       </p:pic>
       <p:pic>
         <p:nvPicPr>
-          <p:cNvPr id="12" name="图片 11"/>
+          <p:cNvPr id="9" name="图片 8"/>
           <p:cNvPicPr>
             <a:picLocks noChangeAspect="1"/>
           </p:cNvPicPr>
@@ -32648,8 +33114,80 @@
         </p:blipFill>
         <p:spPr>
           <a:xfrm>
-            <a:off x="609600" y="2837521"/>
-            <a:ext cx="9620250" cy="3295650"/>
+            <a:off x="1246780" y="4628434"/>
+            <a:ext cx="3771429" cy="828571"/>
+          </a:xfrm>
+          <a:prstGeom prst="rect">
+            <a:avLst/>
+          </a:prstGeom>
+        </p:spPr>
+      </p:pic>
+      <p:pic>
+        <p:nvPicPr>
+          <p:cNvPr id="10" name="图片 9"/>
+          <p:cNvPicPr>
+            <a:picLocks noChangeAspect="1"/>
+          </p:cNvPicPr>
+          <p:nvPr/>
+        </p:nvPicPr>
+        <p:blipFill>
+          <a:blip r:embed="rId4"/>
+          <a:stretch>
+            <a:fillRect/>
+          </a:stretch>
+        </p:blipFill>
+        <p:spPr>
+          <a:xfrm>
+            <a:off x="5350476" y="2878900"/>
+            <a:ext cx="4809524" cy="1228571"/>
+          </a:xfrm>
+          <a:prstGeom prst="rect">
+            <a:avLst/>
+          </a:prstGeom>
+        </p:spPr>
+      </p:pic>
+      <p:pic>
+        <p:nvPicPr>
+          <p:cNvPr id="11" name="图片 10"/>
+          <p:cNvPicPr>
+            <a:picLocks noChangeAspect="1"/>
+          </p:cNvPicPr>
+          <p:nvPr/>
+        </p:nvPicPr>
+        <p:blipFill>
+          <a:blip r:embed="rId5"/>
+          <a:stretch>
+            <a:fillRect/>
+          </a:stretch>
+        </p:blipFill>
+        <p:spPr>
+          <a:xfrm>
+            <a:off x="5350476" y="4521015"/>
+            <a:ext cx="4742857" cy="761905"/>
+          </a:xfrm>
+          <a:prstGeom prst="rect">
+            <a:avLst/>
+          </a:prstGeom>
+        </p:spPr>
+      </p:pic>
+      <p:pic>
+        <p:nvPicPr>
+          <p:cNvPr id="13" name="图片 12"/>
+          <p:cNvPicPr>
+            <a:picLocks noChangeAspect="1"/>
+          </p:cNvPicPr>
+          <p:nvPr/>
+        </p:nvPicPr>
+        <p:blipFill>
+          <a:blip r:embed="rId6"/>
+          <a:stretch>
+            <a:fillRect/>
+          </a:stretch>
+        </p:blipFill>
+        <p:spPr>
+          <a:xfrm>
+            <a:off x="5294168" y="5282920"/>
+            <a:ext cx="4752381" cy="447619"/>
           </a:xfrm>
           <a:prstGeom prst="rect">
             <a:avLst/>
@@ -32669,75 +33207,7 @@
   <p:timing>
     <p:tnLst>
       <p:par>
-        <p:cTn id="1" dur="indefinite" restart="never" nodeType="tmRoot">
-          <p:childTnLst>
-            <p:seq concurrent="1" nextAc="seek">
-              <p:cTn id="2" dur="indefinite" nodeType="mainSeq">
-                <p:childTnLst>
-                  <p:par>
-                    <p:cTn id="3" fill="hold">
-                      <p:stCondLst>
-                        <p:cond delay="indefinite"/>
-                      </p:stCondLst>
-                      <p:childTnLst>
-                        <p:par>
-                          <p:cTn id="4" fill="hold">
-                            <p:stCondLst>
-                              <p:cond delay="0"/>
-                            </p:stCondLst>
-                            <p:childTnLst>
-                              <p:par>
-                                <p:cTn id="5" presetID="1" presetClass="entr" presetSubtype="0" fill="hold" nodeType="clickEffect">
-                                  <p:stCondLst>
-                                    <p:cond delay="0"/>
-                                  </p:stCondLst>
-                                  <p:childTnLst>
-                                    <p:set>
-                                      <p:cBhvr>
-                                        <p:cTn id="6" dur="1" fill="hold">
-                                          <p:stCondLst>
-                                            <p:cond delay="0"/>
-                                          </p:stCondLst>
-                                        </p:cTn>
-                                        <p:tgtEl>
-                                          <p:spTgt spid="12"/>
-                                        </p:tgtEl>
-                                        <p:attrNameLst>
-                                          <p:attrName>style.visibility</p:attrName>
-                                        </p:attrNameLst>
-                                      </p:cBhvr>
-                                      <p:to>
-                                        <p:strVal val="visible"/>
-                                      </p:to>
-                                    </p:set>
-                                  </p:childTnLst>
-                                </p:cTn>
-                              </p:par>
-                            </p:childTnLst>
-                          </p:cTn>
-                        </p:par>
-                      </p:childTnLst>
-                    </p:cTn>
-                  </p:par>
-                </p:childTnLst>
-              </p:cTn>
-              <p:prevCondLst>
-                <p:cond evt="onPrev" delay="0">
-                  <p:tgtEl>
-                    <p:sldTgt/>
-                  </p:tgtEl>
-                </p:cond>
-              </p:prevCondLst>
-              <p:nextCondLst>
-                <p:cond evt="onNext" delay="0">
-                  <p:tgtEl>
-                    <p:sldTgt/>
-                  </p:tgtEl>
-                </p:cond>
-              </p:nextCondLst>
-            </p:seq>
-          </p:childTnLst>
-        </p:cTn>
+        <p:cTn id="1" dur="indefinite" restart="never" nodeType="tmRoot"/>
       </p:par>
     </p:tnLst>
   </p:timing>
@@ -32745,6 +33215,85 @@
 </file>
 
 <file path=ppt/slides/slide6.xml><?xml version="1.0" encoding="utf-8"?>
+<p:sld xmlns:a="http://schemas.openxmlformats.org/drawingml/2006/main" xmlns:r="http://schemas.openxmlformats.org/officeDocument/2006/relationships" xmlns:p="http://schemas.openxmlformats.org/presentationml/2006/main">
+  <p:cSld>
+    <p:spTree>
+      <p:nvGrpSpPr>
+        <p:cNvPr id="1" name=""/>
+        <p:cNvGrpSpPr/>
+        <p:nvPr/>
+      </p:nvGrpSpPr>
+      <p:grpSpPr>
+        <a:xfrm>
+          <a:off x="0" y="0"/>
+          <a:ext cx="0" cy="0"/>
+          <a:chOff x="0" y="0"/>
+          <a:chExt cx="0" cy="0"/>
+        </a:xfrm>
+      </p:grpSpPr>
+      <p:sp>
+        <p:nvSpPr>
+          <p:cNvPr id="2" name="标题 1"/>
+          <p:cNvSpPr>
+            <a:spLocks noGrp="1"/>
+          </p:cNvSpPr>
+          <p:nvPr>
+            <p:ph type="title"/>
+          </p:nvPr>
+        </p:nvSpPr>
+        <p:spPr/>
+        <p:txBody>
+          <a:bodyPr/>
+          <a:lstStyle/>
+          <a:p>
+            <a:r>
+              <a:rPr lang="en-US" altLang="zh-CN" sz="3600" dirty="0"/>
+              <a:t>AMRMF</a:t>
+            </a:r>
+            <a:endParaRPr lang="zh-CN" altLang="en-US" dirty="0"/>
+          </a:p>
+        </p:txBody>
+      </p:sp>
+      <p:pic>
+        <p:nvPicPr>
+          <p:cNvPr id="4" name="内容占位符 3"/>
+          <p:cNvPicPr>
+            <a:picLocks noGrp="1" noChangeAspect="1"/>
+          </p:cNvPicPr>
+          <p:nvPr>
+            <p:ph idx="1"/>
+          </p:nvPr>
+        </p:nvPicPr>
+        <p:blipFill>
+          <a:blip r:embed="rId2"/>
+          <a:stretch>
+            <a:fillRect/>
+          </a:stretch>
+        </p:blipFill>
+        <p:spPr>
+          <a:xfrm>
+            <a:off x="2060154" y="1417638"/>
+            <a:ext cx="7877060" cy="5188314"/>
+          </a:xfrm>
+          <a:prstGeom prst="rect">
+            <a:avLst/>
+          </a:prstGeom>
+        </p:spPr>
+      </p:pic>
+    </p:spTree>
+    <p:extLst>
+      <p:ext uri="{BB962C8B-B14F-4D97-AF65-F5344CB8AC3E}">
+        <p14:creationId xmlns:p14="http://schemas.microsoft.com/office/powerpoint/2010/main" val="3289022418"/>
+      </p:ext>
+    </p:extLst>
+  </p:cSld>
+  <p:clrMapOvr>
+    <a:masterClrMapping/>
+  </p:clrMapOvr>
+</p:sld>
+</file>
+
+<file path=ppt/slides/slide7.xml><?xml version="1.0" encoding="utf-8"?>
 <p:sld xmlns:a="http://schemas.openxmlformats.org/drawingml/2006/main" xmlns:r="http://schemas.openxmlformats.org/officeDocument/2006/relationships" xmlns:p="http://schemas.openxmlformats.org/presentationml/2006/main">
   <p:cSld>
     <p:spTree>
@@ -32914,7 +33463,7 @@
                 <a:tabLst/>
                 <a:defRPr/>
               </a:pPr>
-              <a:t>6</a:t>
+              <a:t>7</a:t>
             </a:fld>
             <a:endParaRPr kumimoji="0" lang="en-US" altLang="zh-CN" sz="1000" b="0" i="0" u="none" strike="noStrike" kern="1200" cap="none" spc="0" normalizeH="0" baseline="0" noProof="0">
               <a:ln>
@@ -33032,7 +33581,7 @@
 </p:sld>
 </file>
 
-<file path=ppt/slides/slide7.xml><?xml version="1.0" encoding="utf-8"?>
+<file path=ppt/slides/slide8.xml><?xml version="1.0" encoding="utf-8"?>
 <p:sld xmlns:a="http://schemas.openxmlformats.org/drawingml/2006/main" xmlns:r="http://schemas.openxmlformats.org/officeDocument/2006/relationships" xmlns:p="http://schemas.openxmlformats.org/presentationml/2006/main">
   <p:cSld>
     <p:spTree>
@@ -33107,11 +33656,7 @@
           <a:p>
             <a:r>
               <a:rPr lang="en-US" altLang="zh-CN" sz="2400" dirty="0"/>
-              <a:t>Multi-Component Nonnegative Matrix Factorization</a:t>
-            </a:r>
-            <a:r>
-              <a:rPr lang="en-US" altLang="zh-CN" sz="2400" dirty="0"/>
-              <a:t> </a:t>
+              <a:t>Multi-Component Nonnegative Matrix Factorization </a:t>
             </a:r>
             <a:br>
               <a:rPr lang="en-US" altLang="zh-CN" sz="2400" dirty="0"/>
@@ -33346,7 +33891,7 @@
                 <a:tabLst/>
                 <a:defRPr/>
               </a:pPr>
-              <a:t>7</a:t>
+              <a:t>8</a:t>
             </a:fld>
             <a:endParaRPr kumimoji="0" lang="en-US" altLang="zh-CN" sz="1000" b="0" i="0" u="none" strike="noStrike" kern="1200" cap="none" spc="0" normalizeH="0" baseline="0" noProof="0">
               <a:ln>
@@ -33385,7 +33930,7 @@
 </p:sld>
 </file>
 
-<file path=ppt/slides/slide8.xml><?xml version="1.0" encoding="utf-8"?>
+<file path=ppt/slides/slide9.xml><?xml version="1.0" encoding="utf-8"?>
 <p:sld xmlns:a="http://schemas.openxmlformats.org/drawingml/2006/main" xmlns:r="http://schemas.openxmlformats.org/officeDocument/2006/relationships" xmlns:p="http://schemas.openxmlformats.org/presentationml/2006/main">
   <p:cSld>
     <p:spTree>
@@ -33632,7 +34177,7 @@
                 <a:tabLst/>
                 <a:defRPr/>
               </a:pPr>
-              <a:t>8</a:t>
+              <a:t>9</a:t>
             </a:fld>
             <a:endParaRPr kumimoji="0" lang="en-US" altLang="zh-CN" sz="1000" b="0" i="0" u="none" strike="noStrike" kern="1200" cap="none" spc="0" normalizeH="0" baseline="0" noProof="0" dirty="0">
               <a:ln>
@@ -34332,419 +34877,6 @@
     <p:extLst>
       <p:ext uri="{BB962C8B-B14F-4D97-AF65-F5344CB8AC3E}">
         <p14:creationId xmlns:p14="http://schemas.microsoft.com/office/powerpoint/2010/main" val="1677110337"/>
-      </p:ext>
-    </p:extLst>
-  </p:cSld>
-  <p:clrMapOvr>
-    <a:masterClrMapping/>
-  </p:clrMapOvr>
-  <p:timing>
-    <p:tnLst>
-      <p:par>
-        <p:cTn id="1" dur="indefinite" restart="never" nodeType="tmRoot"/>
-      </p:par>
-    </p:tnLst>
-  </p:timing>
-</p:sld>
-</file>
-
-<file path=ppt/slides/slide9.xml><?xml version="1.0" encoding="utf-8"?>
-<p:sld xmlns:a="http://schemas.openxmlformats.org/drawingml/2006/main" xmlns:r="http://schemas.openxmlformats.org/officeDocument/2006/relationships" xmlns:p="http://schemas.openxmlformats.org/presentationml/2006/main">
-  <p:cSld>
-    <p:spTree>
-      <p:nvGrpSpPr>
-        <p:cNvPr id="1" name=""/>
-        <p:cNvGrpSpPr/>
-        <p:nvPr/>
-      </p:nvGrpSpPr>
-      <p:grpSpPr>
-        <a:xfrm>
-          <a:off x="0" y="0"/>
-          <a:ext cx="0" cy="0"/>
-          <a:chOff x="0" y="0"/>
-          <a:chExt cx="0" cy="0"/>
-        </a:xfrm>
-      </p:grpSpPr>
-      <p:sp>
-        <p:nvSpPr>
-          <p:cNvPr id="2" name="标题 1"/>
-          <p:cNvSpPr>
-            <a:spLocks noGrp="1"/>
-          </p:cNvSpPr>
-          <p:nvPr>
-            <p:ph type="title"/>
-          </p:nvPr>
-        </p:nvSpPr>
-        <p:spPr/>
-        <p:txBody>
-          <a:bodyPr/>
-          <a:lstStyle/>
-          <a:p>
-            <a:r>
-              <a:rPr lang="en-US" altLang="zh-CN" sz="4000" dirty="0" smtClean="0"/>
-              <a:t>MCN</a:t>
-            </a:r>
-            <a:r>
-              <a:rPr lang="en-US" altLang="zh-CN" sz="4000" dirty="0" smtClean="0"/>
-              <a:t>MF</a:t>
-            </a:r>
-            <a:endParaRPr lang="zh-CN" altLang="en-US" dirty="0"/>
-          </a:p>
-        </p:txBody>
-      </p:sp>
-      <p:sp>
-        <p:nvSpPr>
-          <p:cNvPr id="3" name="内容占位符 2"/>
-          <p:cNvSpPr>
-            <a:spLocks noGrp="1"/>
-          </p:cNvSpPr>
-          <p:nvPr>
-            <p:ph idx="1"/>
-          </p:nvPr>
-        </p:nvSpPr>
-        <p:spPr/>
-        <p:txBody>
-          <a:bodyPr/>
-          <a:lstStyle/>
-          <a:p>
-            <a:pPr lvl="1"/>
-            <a:r>
-              <a:rPr lang="en-US" altLang="zh-CN" sz="2400" b="1" dirty="0" smtClean="0">
-                <a:solidFill>
-                  <a:srgbClr val="0000FF"/>
-                </a:solidFill>
-              </a:rPr>
-              <a:t>Advantages</a:t>
-            </a:r>
-            <a:endParaRPr lang="en-US" altLang="zh-CN" sz="2400" b="1" dirty="0">
-              <a:solidFill>
-                <a:srgbClr val="0000FF"/>
-              </a:solidFill>
-            </a:endParaRPr>
-          </a:p>
-          <a:p>
-            <a:pPr lvl="1">
-              <a:buFont typeface="Wingdings" panose="05000000000000000000" pitchFamily="2" charset="2"/>
-              <a:buChar char="p"/>
-            </a:pPr>
-            <a:r>
-              <a:rPr lang="en-US" altLang="zh-CN" sz="1800" b="1" dirty="0">
-                <a:solidFill>
-                  <a:srgbClr val="0000FF"/>
-                </a:solidFill>
-              </a:rPr>
-              <a:t>It captures </a:t>
-            </a:r>
-            <a:r>
-              <a:rPr lang="en-US" altLang="zh-CN" sz="1800" b="1" dirty="0" smtClean="0">
-                <a:solidFill>
-                  <a:srgbClr val="0000FF"/>
-                </a:solidFill>
-              </a:rPr>
-              <a:t>more comprehensive </a:t>
-            </a:r>
-            <a:r>
-              <a:rPr lang="en-US" altLang="zh-CN" sz="1800" b="1" dirty="0">
-                <a:solidFill>
-                  <a:srgbClr val="0000FF"/>
-                </a:solidFill>
-              </a:rPr>
-              <a:t>information and interprets data from different perspectives, by leveraging the multiple components. </a:t>
-            </a:r>
-            <a:r>
-              <a:rPr lang="en-US" altLang="zh-CN" sz="1800" b="1" dirty="0">
-                <a:solidFill>
-                  <a:srgbClr val="FF0000"/>
-                </a:solidFill>
-              </a:rPr>
-              <a:t>Instead of factorizing the data matrix into a single basis and representation matrix, MCNMF learns multiple </a:t>
-            </a:r>
-            <a:r>
-              <a:rPr lang="en-US" altLang="zh-CN" sz="1800" b="1" dirty="0" smtClean="0">
-                <a:solidFill>
-                  <a:srgbClr val="FF0000"/>
-                </a:solidFill>
-              </a:rPr>
-              <a:t>representations based </a:t>
-            </a:r>
-            <a:r>
-              <a:rPr lang="en-US" altLang="zh-CN" sz="1800" b="1" dirty="0">
-                <a:solidFill>
-                  <a:srgbClr val="FF0000"/>
-                </a:solidFill>
-              </a:rPr>
-              <a:t>on different basis matrices. </a:t>
-            </a:r>
-            <a:endParaRPr lang="en-US" altLang="zh-CN" sz="1800" b="1" dirty="0" smtClean="0">
-              <a:solidFill>
-                <a:srgbClr val="FF0000"/>
-              </a:solidFill>
-            </a:endParaRPr>
-          </a:p>
-          <a:p>
-            <a:pPr lvl="1">
-              <a:buFont typeface="Wingdings" panose="05000000000000000000" pitchFamily="2" charset="2"/>
-              <a:buChar char="p"/>
-            </a:pPr>
-            <a:r>
-              <a:rPr lang="en-US" altLang="zh-CN" sz="1800" b="1" dirty="0" smtClean="0">
-                <a:solidFill>
-                  <a:srgbClr val="0000FF"/>
-                </a:solidFill>
-              </a:rPr>
-              <a:t>HSIC </a:t>
-            </a:r>
-            <a:r>
-              <a:rPr lang="en-US" altLang="zh-CN" sz="1800" b="1" dirty="0">
-                <a:solidFill>
-                  <a:srgbClr val="0000FF"/>
-                </a:solidFill>
-              </a:rPr>
-              <a:t>explores the diverse information among the representations, where </a:t>
-            </a:r>
-            <a:r>
-              <a:rPr lang="en-US" altLang="zh-CN" sz="1800" b="1" dirty="0" smtClean="0">
-                <a:solidFill>
-                  <a:srgbClr val="0000FF"/>
-                </a:solidFill>
-              </a:rPr>
-              <a:t>each representation </a:t>
-            </a:r>
-            <a:r>
-              <a:rPr lang="en-US" altLang="zh-CN" sz="1800" b="1" dirty="0">
-                <a:solidFill>
-                  <a:srgbClr val="0000FF"/>
-                </a:solidFill>
-              </a:rPr>
-              <a:t>corresponds to a component. </a:t>
-            </a:r>
-            <a:br>
-              <a:rPr lang="en-US" altLang="zh-CN" sz="1800" b="1" dirty="0">
-                <a:solidFill>
-                  <a:srgbClr val="0000FF"/>
-                </a:solidFill>
-              </a:rPr>
-            </a:br>
-            <a:endParaRPr lang="en-US" altLang="zh-CN" sz="1800" b="1" dirty="0">
-              <a:solidFill>
-                <a:srgbClr val="0000FF"/>
-              </a:solidFill>
-            </a:endParaRPr>
-          </a:p>
-          <a:p>
-            <a:pPr marL="344487" lvl="1" indent="0">
-              <a:buNone/>
-            </a:pPr>
-            <a:r>
-              <a:rPr lang="en-US" altLang="zh-CN" sz="2400" b="1" dirty="0">
-                <a:solidFill>
-                  <a:srgbClr val="0000FF"/>
-                </a:solidFill>
-              </a:rPr>
-              <a:t/>
-            </a:r>
-            <a:br>
-              <a:rPr lang="en-US" altLang="zh-CN" sz="2400" b="1" dirty="0">
-                <a:solidFill>
-                  <a:srgbClr val="0000FF"/>
-                </a:solidFill>
-              </a:rPr>
-            </a:br>
-            <a:r>
-              <a:rPr lang="en-US" altLang="zh-CN" sz="1800" dirty="0"/>
-              <a:t/>
-            </a:r>
-            <a:br>
-              <a:rPr lang="en-US" altLang="zh-CN" sz="1800" dirty="0"/>
-            </a:br>
-            <a:r>
-              <a:rPr lang="en-US" altLang="zh-CN" sz="1800" dirty="0" smtClean="0">
-                <a:solidFill>
-                  <a:schemeClr val="tx1"/>
-                </a:solidFill>
-              </a:rPr>
-              <a:t/>
-            </a:r>
-            <a:br>
-              <a:rPr lang="en-US" altLang="zh-CN" sz="1800" dirty="0" smtClean="0">
-                <a:solidFill>
-                  <a:schemeClr val="tx1"/>
-                </a:solidFill>
-              </a:rPr>
-            </a:br>
-            <a:endParaRPr lang="en-US" altLang="zh-CN" sz="1800" dirty="0" smtClean="0">
-              <a:solidFill>
-                <a:schemeClr val="tx1"/>
-              </a:solidFill>
-            </a:endParaRPr>
-          </a:p>
-          <a:p>
-            <a:pPr marL="0" indent="0">
-              <a:buNone/>
-            </a:pPr>
-            <a:endParaRPr lang="en-US" altLang="zh-CN" sz="2400" dirty="0" smtClean="0"/>
-          </a:p>
-          <a:p>
-            <a:endParaRPr lang="en-US" altLang="zh-CN" sz="2400" dirty="0"/>
-          </a:p>
-          <a:p>
-            <a:endParaRPr lang="zh-CN" altLang="en-US" dirty="0"/>
-          </a:p>
-        </p:txBody>
-      </p:sp>
-      <p:sp>
-        <p:nvSpPr>
-          <p:cNvPr id="4" name="页脚占位符 3"/>
-          <p:cNvSpPr>
-            <a:spLocks noGrp="1"/>
-          </p:cNvSpPr>
-          <p:nvPr>
-            <p:ph type="ftr" sz="quarter" idx="11"/>
-          </p:nvPr>
-        </p:nvSpPr>
-        <p:spPr/>
-        <p:txBody>
-          <a:bodyPr/>
-          <a:lstStyle/>
-          <a:p>
-            <a:pPr marL="0" marR="0" lvl="0" indent="0" algn="ctr" defTabSz="914400" rtl="0" eaLnBrk="1" fontAlgn="auto" latinLnBrk="0" hangingPunct="1">
-              <a:lnSpc>
-                <a:spcPct val="100000"/>
-              </a:lnSpc>
-              <a:spcBef>
-                <a:spcPts val="0"/>
-              </a:spcBef>
-              <a:spcAft>
-                <a:spcPts val="0"/>
-              </a:spcAft>
-              <a:buClrTx/>
-              <a:buSzTx/>
-              <a:buFontTx/>
-              <a:buNone/>
-              <a:tabLst/>
-              <a:defRPr/>
-            </a:pPr>
-            <a:r>
-              <a:rPr kumimoji="0" lang="zh-CN" altLang="en-US" sz="1200" b="0" i="0" u="none" strike="noStrike" kern="1200" cap="none" spc="0" normalizeH="0" baseline="0" noProof="0" dirty="0" smtClean="0">
-                <a:ln>
-                  <a:noFill/>
-                </a:ln>
-                <a:solidFill>
-                  <a:srgbClr val="000000"/>
-                </a:solidFill>
-                <a:effectLst/>
-                <a:uLnTx/>
-                <a:uFillTx/>
-                <a:latin typeface="Arial" panose="020B0604020202020204" pitchFamily="34" charset="0"/>
-                <a:ea typeface="黑体" panose="02010609060101010101" pitchFamily="49" charset="-122"/>
-                <a:cs typeface="+mn-cs"/>
-              </a:rPr>
-              <a:t>南开大学智能信息处理实验室</a:t>
-            </a:r>
-            <a:endParaRPr kumimoji="0" lang="en-US" altLang="zh-CN" sz="1200" b="0" i="0" u="none" strike="noStrike" kern="1200" cap="none" spc="0" normalizeH="0" baseline="0" noProof="0" dirty="0">
-              <a:ln>
-                <a:noFill/>
-              </a:ln>
-              <a:solidFill>
-                <a:srgbClr val="000000"/>
-              </a:solidFill>
-              <a:effectLst/>
-              <a:uLnTx/>
-              <a:uFillTx/>
-              <a:latin typeface="Arial" panose="020B0604020202020204" pitchFamily="34" charset="0"/>
-              <a:ea typeface="黑体" panose="02010609060101010101" pitchFamily="49" charset="-122"/>
-              <a:cs typeface="+mn-cs"/>
-            </a:endParaRPr>
-          </a:p>
-        </p:txBody>
-      </p:sp>
-      <p:sp>
-        <p:nvSpPr>
-          <p:cNvPr id="5" name="灯片编号占位符 4"/>
-          <p:cNvSpPr>
-            <a:spLocks noGrp="1"/>
-          </p:cNvSpPr>
-          <p:nvPr>
-            <p:ph type="sldNum" sz="quarter" idx="12"/>
-          </p:nvPr>
-        </p:nvSpPr>
-        <p:spPr/>
-        <p:txBody>
-          <a:bodyPr/>
-          <a:lstStyle/>
-          <a:p>
-            <a:pPr marL="0" marR="0" lvl="0" indent="0" algn="r" defTabSz="914400" rtl="0" eaLnBrk="1" fontAlgn="auto" latinLnBrk="0" hangingPunct="1">
-              <a:lnSpc>
-                <a:spcPct val="100000"/>
-              </a:lnSpc>
-              <a:spcBef>
-                <a:spcPts val="0"/>
-              </a:spcBef>
-              <a:spcAft>
-                <a:spcPts val="0"/>
-              </a:spcAft>
-              <a:buClrTx/>
-              <a:buSzTx/>
-              <a:buFontTx/>
-              <a:buNone/>
-              <a:tabLst/>
-              <a:defRPr/>
-            </a:pPr>
-            <a:fld id="{D94E2663-7418-4A99-B68B-E22BFFE23E97}" type="slidenum">
-              <a:rPr kumimoji="0" lang="en-US" altLang="zh-CN" sz="1000" b="0" i="0" u="none" strike="noStrike" kern="1200" cap="none" spc="0" normalizeH="0" baseline="0" noProof="0" smtClean="0">
-                <a:ln>
-                  <a:noFill/>
-                </a:ln>
-                <a:solidFill>
-                  <a:srgbClr val="000000"/>
-                </a:solidFill>
-                <a:effectLst/>
-                <a:uLnTx/>
-                <a:uFillTx/>
-                <a:latin typeface="Arial" panose="020B0604020202020204" pitchFamily="34" charset="0"/>
-                <a:ea typeface="黑体" panose="02010609060101010101" pitchFamily="49" charset="-122"/>
-                <a:cs typeface="+mn-cs"/>
-              </a:rPr>
-              <a:pPr marL="0" marR="0" lvl="0" indent="0" algn="r" defTabSz="914400" rtl="0" eaLnBrk="1" fontAlgn="auto" latinLnBrk="0" hangingPunct="1">
-                <a:lnSpc>
-                  <a:spcPct val="100000"/>
-                </a:lnSpc>
-                <a:spcBef>
-                  <a:spcPts val="0"/>
-                </a:spcBef>
-                <a:spcAft>
-                  <a:spcPts val="0"/>
-                </a:spcAft>
-                <a:buClrTx/>
-                <a:buSzTx/>
-                <a:buFontTx/>
-                <a:buNone/>
-                <a:tabLst/>
-                <a:defRPr/>
-              </a:pPr>
-              <a:t>9</a:t>
-            </a:fld>
-            <a:endParaRPr kumimoji="0" lang="en-US" altLang="zh-CN" sz="1000" b="0" i="0" u="none" strike="noStrike" kern="1200" cap="none" spc="0" normalizeH="0" baseline="0" noProof="0">
-              <a:ln>
-                <a:noFill/>
-              </a:ln>
-              <a:solidFill>
-                <a:srgbClr val="000000"/>
-              </a:solidFill>
-              <a:effectLst/>
-              <a:uLnTx/>
-              <a:uFillTx/>
-              <a:latin typeface="Arial" panose="020B0604020202020204" pitchFamily="34" charset="0"/>
-              <a:ea typeface="黑体" panose="02010609060101010101" pitchFamily="49" charset="-122"/>
-              <a:cs typeface="+mn-cs"/>
-            </a:endParaRPr>
-          </a:p>
-        </p:txBody>
-      </p:sp>
-    </p:spTree>
-    <p:extLst>
-      <p:ext uri="{BB962C8B-B14F-4D97-AF65-F5344CB8AC3E}">
-        <p14:creationId xmlns:p14="http://schemas.microsoft.com/office/powerpoint/2010/main" val="1608293383"/>
       </p:ext>
     </p:extLst>
   </p:cSld>
